--- a/lessons/1_introduce/ppt/课程介绍.pptx
+++ b/lessons/1_introduce/ppt/课程介绍.pptx
@@ -227,7 +227,7 @@
                 <a:latin typeface="微软雅黑" panose="020B0503020204020204" charset="-122"/>
                 <a:ea typeface="微软雅黑" panose="020B0503020204020204" charset="-122"/>
               </a:rPr>
-              <a:t>2022/9/2</a:t>
+              <a:t>2022/9/6</a:t>
             </a:fld>
             <a:endParaRPr lang="zh-CN" altLang="en-US">
               <a:latin typeface="微软雅黑" panose="020B0503020204020204" charset="-122"/>
@@ -410,7 +410,7 @@
           <a:p>
             <a:fld id="{1AC49D05-6128-4D0D-A32A-06A5E73B386C}" type="datetimeFigureOut">
               <a:rPr lang="zh-CN" altLang="en-US" smtClean="0"/>
-              <a:t>2022/9/2</a:t>
+              <a:t>2022/9/6</a:t>
             </a:fld>
             <a:endParaRPr lang="zh-CN" altLang="en-US"/>
           </a:p>
@@ -1367,7 +1367,7 @@
           <a:p>
             <a:fld id="{9EFD9D74-47D9-4702-A33C-335B63B48DBF}" type="datetimeFigureOut">
               <a:rPr lang="zh-CN" altLang="en-US" smtClean="0"/>
-              <a:t>2022/9/2</a:t>
+              <a:t>2022/9/6</a:t>
             </a:fld>
             <a:endParaRPr lang="zh-CN" altLang="en-US" dirty="0"/>
           </a:p>
@@ -1700,7 +1700,7 @@
           <a:p>
             <a:fld id="{760FBDFE-C587-4B4C-A407-44438C67B59E}" type="datetimeFigureOut">
               <a:rPr lang="zh-CN" altLang="en-US" smtClean="0"/>
-              <a:t>2022/9/2</a:t>
+              <a:t>2022/9/6</a:t>
             </a:fld>
             <a:endParaRPr lang="zh-CN" altLang="en-US"/>
           </a:p>
@@ -1873,7 +1873,7 @@
           <a:p>
             <a:fld id="{9EFD9D74-47D9-4702-A33C-335B63B48DBF}" type="datetimeFigureOut">
               <a:rPr lang="zh-CN" altLang="en-US" smtClean="0"/>
-              <a:t>2022/9/2</a:t>
+              <a:t>2022/9/6</a:t>
             </a:fld>
             <a:endParaRPr lang="zh-CN" altLang="en-US" dirty="0"/>
           </a:p>
@@ -2398,7 +2398,7 @@
           <a:p>
             <a:fld id="{760FBDFE-C587-4B4C-A407-44438C67B59E}" type="datetimeFigureOut">
               <a:rPr lang="zh-CN" altLang="en-US" smtClean="0"/>
-              <a:t>2022/9/2</a:t>
+              <a:t>2022/9/6</a:t>
             </a:fld>
             <a:endParaRPr lang="zh-CN" altLang="en-US"/>
           </a:p>
@@ -3146,7 +3146,7 @@
           <a:p>
             <a:fld id="{760FBDFE-C587-4B4C-A407-44438C67B59E}" type="datetimeFigureOut">
               <a:rPr lang="zh-CN" altLang="en-US" smtClean="0"/>
-              <a:t>2022/9/2</a:t>
+              <a:t>2022/9/6</a:t>
             </a:fld>
             <a:endParaRPr lang="zh-CN" altLang="en-US"/>
           </a:p>
@@ -3312,7 +3312,7 @@
           <a:p>
             <a:fld id="{760FBDFE-C587-4B4C-A407-44438C67B59E}" type="datetimeFigureOut">
               <a:rPr lang="zh-CN" altLang="en-US" smtClean="0"/>
-              <a:t>2022/9/2</a:t>
+              <a:t>2022/9/6</a:t>
             </a:fld>
             <a:endParaRPr lang="zh-CN" altLang="en-US"/>
           </a:p>
@@ -3426,7 +3426,7 @@
           <a:p>
             <a:fld id="{760FBDFE-C587-4B4C-A407-44438C67B59E}" type="datetimeFigureOut">
               <a:rPr lang="zh-CN" altLang="en-US" smtClean="0"/>
-              <a:t>2022/9/2</a:t>
+              <a:t>2022/9/6</a:t>
             </a:fld>
             <a:endParaRPr lang="zh-CN" altLang="en-US"/>
           </a:p>
@@ -3756,7 +3756,7 @@
           <a:p>
             <a:fld id="{9EFD9D74-47D9-4702-A33C-335B63B48DBF}" type="datetimeFigureOut">
               <a:rPr lang="zh-CN" altLang="en-US" smtClean="0"/>
-              <a:t>2022/9/2</a:t>
+              <a:t>2022/9/6</a:t>
             </a:fld>
             <a:endParaRPr lang="zh-CN" altLang="en-US" dirty="0"/>
           </a:p>
@@ -4269,7 +4269,7 @@
           <a:p>
             <a:fld id="{760FBDFE-C587-4B4C-A407-44438C67B59E}" type="datetimeFigureOut">
               <a:rPr lang="zh-CN" altLang="en-US" smtClean="0"/>
-              <a:t>2022/9/2</a:t>
+              <a:t>2022/9/6</a:t>
             </a:fld>
             <a:endParaRPr lang="zh-CN" altLang="en-US"/>
           </a:p>
@@ -4383,7 +4383,7 @@
           <a:p>
             <a:fld id="{760FBDFE-C587-4B4C-A407-44438C67B59E}" type="datetimeFigureOut">
               <a:rPr lang="zh-CN" altLang="en-US" smtClean="0"/>
-              <a:t>2022/9/2</a:t>
+              <a:t>2022/9/6</a:t>
             </a:fld>
             <a:endParaRPr lang="zh-CN" altLang="en-US"/>
           </a:p>
@@ -4671,7 +4671,7 @@
           <a:p>
             <a:fld id="{82F288E0-7875-42C4-84C8-98DBBD3BF4D2}" type="datetimeFigureOut">
               <a:rPr lang="zh-CN" altLang="en-US" smtClean="0"/>
-              <a:t>2022/9/2</a:t>
+              <a:t>2022/9/6</a:t>
             </a:fld>
             <a:endParaRPr lang="zh-CN" altLang="en-US"/>
           </a:p>
@@ -5130,7 +5130,7 @@
           <a:p>
             <a:fld id="{760FBDFE-C587-4B4C-A407-44438C67B59E}" type="datetimeFigureOut">
               <a:rPr lang="zh-CN" altLang="en-US" smtClean="0"/>
-              <a:t>2022/9/2</a:t>
+              <a:t>2022/9/6</a:t>
             </a:fld>
             <a:endParaRPr lang="zh-CN" altLang="en-US"/>
           </a:p>
@@ -5799,7 +5799,7 @@
           <a:p>
             <a:fld id="{9EFD9D74-47D9-4702-A33C-335B63B48DBF}" type="datetimeFigureOut">
               <a:rPr lang="zh-CN" altLang="en-US" smtClean="0"/>
-              <a:t>2022/9/2</a:t>
+              <a:t>2022/9/6</a:t>
             </a:fld>
             <a:endParaRPr lang="zh-CN" altLang="en-US" dirty="0"/>
           </a:p>
@@ -5947,7 +5947,7 @@
           <a:p>
             <a:fld id="{9EFD9D74-47D9-4702-A33C-335B63B48DBF}" type="datetimeFigureOut">
               <a:rPr lang="zh-CN" altLang="en-US" smtClean="0"/>
-              <a:t>2022/9/2</a:t>
+              <a:t>2022/9/6</a:t>
             </a:fld>
             <a:endParaRPr lang="zh-CN" altLang="en-US" dirty="0"/>
           </a:p>
@@ -6817,7 +6817,15 @@
             </a:pPr>
             <a:r>
               <a:rPr lang="zh-CN" altLang="en-US" dirty="0"/>
-              <a:t>介绍光线投射</a:t>
+              <a:t>使用</a:t>
+            </a:r>
+            <a:r>
+              <a:rPr lang="en" altLang="zh-CN" dirty="0" err="1"/>
+              <a:t>WebGPU</a:t>
+            </a:r>
+            <a:r>
+              <a:rPr lang="zh-CN" altLang="en-US" dirty="0"/>
+              <a:t>绘制三角形</a:t>
             </a:r>
           </a:p>
           <a:p>
@@ -6830,13 +6838,14 @@
               <a:t>使用</a:t>
             </a:r>
             <a:r>
-              <a:rPr lang="en" altLang="zh-CN" dirty="0" err="1"/>
-              <a:t>WebGPU</a:t>
+              <a:rPr lang="en" altLang="zh-CN" dirty="0"/>
+              <a:t>Meta3D</a:t>
             </a:r>
             <a:r>
               <a:rPr lang="zh-CN" altLang="en-US" dirty="0"/>
-              <a:t>绘制三角形</a:t>
-            </a:r>
+              <a:t>实现“绘制三角形”</a:t>
+            </a:r>
+            <a:endParaRPr lang="en-US" altLang="zh-CN" dirty="0"/>
           </a:p>
           <a:p>
             <a:pPr marL="285750" indent="-285750">
@@ -6845,16 +6854,14 @@
             </a:pPr>
             <a:r>
               <a:rPr lang="zh-CN" altLang="en-US" dirty="0"/>
-              <a:t>使用</a:t>
-            </a:r>
-            <a:r>
-              <a:rPr lang="en" altLang="zh-CN" dirty="0"/>
-              <a:t>Meta3D</a:t>
-            </a:r>
-            <a:r>
-              <a:rPr lang="zh-CN" altLang="en-US" dirty="0"/>
-              <a:t>实现“绘制三角形”</a:t>
-            </a:r>
+              <a:t>基于光线投射绘制三角形</a:t>
+            </a:r>
+          </a:p>
+          <a:p>
+            <a:pPr marL="285750" indent="-285750">
+              <a:buFont typeface="Arial" panose="020B0604020202020204" pitchFamily="34" charset="0"/>
+              <a:buChar char="•"/>
+            </a:pPr>
             <a:endParaRPr lang="zh-CN" altLang="en-US" dirty="0">
               <a:effectLst/>
             </a:endParaRPr>
